--- a/수정/2조 요구사항 확인, 유스케이스(발표, 최종-넘버링 수정).pptx
+++ b/수정/2조 요구사항 확인, 유스케이스(발표, 최종-넘버링 수정).pptx
@@ -2384,113 +2384,6 @@
       </p:grpSpPr>
       <p:sp>
         <p:nvSpPr>
-          <p:cNvPr id="5" name="TextBox 4">
-            <a:extLst>
-              <a:ext uri="{FF2B5EF4-FFF2-40B4-BE49-F238E27FC236}">
-                <a16:creationId xmlns:a16="http://schemas.microsoft.com/office/drawing/2014/main" id="{A398058D-A887-B813-6CB8-EC0A3972D4F2}"/>
-              </a:ext>
-            </a:extLst>
-          </p:cNvPr>
-          <p:cNvSpPr txBox="1"/>
-          <p:nvPr userDrawn="1"/>
-        </p:nvSpPr>
-        <p:spPr>
-          <a:xfrm>
-            <a:off x="9987228" y="6586181"/>
-            <a:ext cx="2194833" cy="230832"/>
-          </a:xfrm>
-          <a:prstGeom prst="rect">
-            <a:avLst/>
-          </a:prstGeom>
-          <a:noFill/>
-        </p:spPr>
-        <p:txBody>
-          <a:bodyPr wrap="none" rtlCol="0">
-            <a:spAutoFit/>
-          </a:bodyPr>
-          <a:lstStyle/>
-          <a:p>
-            <a:pPr algn="r"/>
-            <a:r>
-              <a:rPr lang="en-US" altLang="ko-KR" sz="900" dirty="0">
-                <a:solidFill>
-                  <a:schemeClr val="tx1">
-                    <a:lumMod val="50000"/>
-                    <a:lumOff val="50000"/>
-                  </a:schemeClr>
-                </a:solidFill>
-                <a:latin typeface="Arial" panose="020B0604020202020204" pitchFamily="34" charset="0"/>
-                <a:cs typeface="Arial" panose="020B0604020202020204" pitchFamily="34" charset="0"/>
-              </a:rPr>
-              <a:t>ⓒSaebyeol Yu.</a:t>
-            </a:r>
-            <a:r>
-              <a:rPr lang="ko-KR" altLang="en-US" sz="900" dirty="0">
-                <a:solidFill>
-                  <a:schemeClr val="tx1">
-                    <a:lumMod val="50000"/>
-                    <a:lumOff val="50000"/>
-                  </a:schemeClr>
-                </a:solidFill>
-                <a:latin typeface="Arial" panose="020B0604020202020204" pitchFamily="34" charset="0"/>
-                <a:cs typeface="Arial" panose="020B0604020202020204" pitchFamily="34" charset="0"/>
-              </a:rPr>
-              <a:t> </a:t>
-            </a:r>
-            <a:r>
-              <a:rPr lang="en-US" altLang="ko-KR" sz="900" dirty="0" err="1">
-                <a:solidFill>
-                  <a:schemeClr val="tx1">
-                    <a:lumMod val="50000"/>
-                    <a:lumOff val="50000"/>
-                  </a:schemeClr>
-                </a:solidFill>
-                <a:latin typeface="Arial" panose="020B0604020202020204" pitchFamily="34" charset="0"/>
-                <a:cs typeface="Arial" panose="020B0604020202020204" pitchFamily="34" charset="0"/>
-              </a:rPr>
-              <a:t>Saebyeol’s</a:t>
-            </a:r>
-            <a:r>
-              <a:rPr lang="ko-KR" altLang="en-US" sz="900" dirty="0">
-                <a:solidFill>
-                  <a:schemeClr val="tx1">
-                    <a:lumMod val="50000"/>
-                    <a:lumOff val="50000"/>
-                  </a:schemeClr>
-                </a:solidFill>
-                <a:latin typeface="Arial" panose="020B0604020202020204" pitchFamily="34" charset="0"/>
-                <a:cs typeface="Arial" panose="020B0604020202020204" pitchFamily="34" charset="0"/>
-              </a:rPr>
-              <a:t> </a:t>
-            </a:r>
-            <a:r>
-              <a:rPr lang="en-US" altLang="ko-KR" sz="900" dirty="0">
-                <a:solidFill>
-                  <a:schemeClr val="tx1">
-                    <a:lumMod val="50000"/>
-                    <a:lumOff val="50000"/>
-                  </a:schemeClr>
-                </a:solidFill>
-                <a:latin typeface="Arial" panose="020B0604020202020204" pitchFamily="34" charset="0"/>
-                <a:cs typeface="Arial" panose="020B0604020202020204" pitchFamily="34" charset="0"/>
-              </a:rPr>
-              <a:t>PowerPoint</a:t>
-            </a:r>
-            <a:endParaRPr lang="ko-KR" altLang="en-US" sz="900" dirty="0">
-              <a:solidFill>
-                <a:schemeClr val="tx1">
-                  <a:lumMod val="50000"/>
-                  <a:lumOff val="50000"/>
-                </a:schemeClr>
-              </a:solidFill>
-              <a:latin typeface="Arial" panose="020B0604020202020204" pitchFamily="34" charset="0"/>
-              <a:cs typeface="Arial" panose="020B0604020202020204" pitchFamily="34" charset="0"/>
-            </a:endParaRPr>
-          </a:p>
-        </p:txBody>
-      </p:sp>
-      <p:sp>
-        <p:nvSpPr>
           <p:cNvPr id="2" name="날짜 개체 틀 1">
             <a:extLst>
               <a:ext uri="{FF2B5EF4-FFF2-40B4-BE49-F238E27FC236}">
@@ -2582,7 +2475,7 @@
   <p:clrMapOvr>
     <a:masterClrMapping/>
   </p:clrMapOvr>
-  <p:extLst>
+  <p:extLst mod="1">
     <p:ext uri="{DCECCB84-F9BA-43D5-87BE-67443E8EF086}">
       <p15:sldGuideLst xmlns:p15="http://schemas.microsoft.com/office/powerpoint/2012/main">
         <p15:guide id="1" orient="horz" pos="2160" userDrawn="1">
@@ -16829,7 +16722,7 @@
                 <a14:useLocalDpi xmlns:a14="http://schemas.microsoft.com/office/drawing/2010/main" val="0"/>
               </a:ext>
               <a:ext uri="{96DAC541-7B7A-43D3-8B79-37D633B846F1}">
-                <asvg:svgBlip xmlns="" xmlns:asvg="http://schemas.microsoft.com/office/drawing/2016/SVG/main" r:embed="rId3"/>
+                <asvg:svgBlip xmlns:asvg="http://schemas.microsoft.com/office/drawing/2016/SVG/main" xmlns="" r:embed="rId3"/>
               </a:ext>
             </a:extLst>
           </a:blip>
@@ -16988,6 +16881,52 @@
           </a:p>
         </p:txBody>
       </p:sp>
+      <p:sp>
+        <p:nvSpPr>
+          <p:cNvPr id="2" name="직사각형 1"/>
+          <p:cNvSpPr/>
+          <p:nvPr/>
+        </p:nvSpPr>
+        <p:spPr>
+          <a:xfrm>
+            <a:off x="8200288" y="5782002"/>
+            <a:ext cx="3991712" cy="1075998"/>
+          </a:xfrm>
+          <a:prstGeom prst="rect">
+            <a:avLst/>
+          </a:prstGeom>
+          <a:solidFill>
+            <a:srgbClr val="40623D"/>
+          </a:solidFill>
+          <a:ln>
+            <a:noFill/>
+          </a:ln>
+        </p:spPr>
+        <p:style>
+          <a:lnRef idx="2">
+            <a:schemeClr val="accent1">
+              <a:shade val="50000"/>
+            </a:schemeClr>
+          </a:lnRef>
+          <a:fillRef idx="1">
+            <a:schemeClr val="accent1"/>
+          </a:fillRef>
+          <a:effectRef idx="0">
+            <a:schemeClr val="accent1"/>
+          </a:effectRef>
+          <a:fontRef idx="minor">
+            <a:schemeClr val="lt1"/>
+          </a:fontRef>
+        </p:style>
+        <p:txBody>
+          <a:bodyPr rtlCol="0" anchor="ctr"/>
+          <a:lstStyle/>
+          <a:p>
+            <a:pPr algn="ctr"/>
+            <a:endParaRPr lang="ko-KR" altLang="en-US"/>
+          </a:p>
+        </p:txBody>
+      </p:sp>
     </p:spTree>
     <p:extLst>
       <p:ext uri="{BB962C8B-B14F-4D97-AF65-F5344CB8AC3E}">
@@ -17045,8 +16984,8 @@
         </p:nvSpPr>
         <p:spPr>
           <a:xfrm>
-            <a:off x="1616927" y="1086517"/>
-            <a:ext cx="8977745" cy="6017032"/>
+            <a:off x="1306806" y="840968"/>
+            <a:ext cx="9340883" cy="6017032"/>
           </a:xfrm>
           <a:prstGeom prst="rect">
             <a:avLst/>
@@ -17146,14 +17085,38 @@
               <a:t>식품 낭비 감소와 환경 보호를 위한 개인 맞춤형 재료 관리 및 </a:t>
             </a:r>
             <a:r>
-              <a:rPr lang="ko-KR" altLang="en-US" sz="2000" dirty="0" err="1" smtClean="0">
+              <a:rPr lang="ko-KR" altLang="en-US" sz="2000" dirty="0" smtClean="0">
                 <a:solidFill>
                   <a:srgbClr val="40623D"/>
                 </a:solidFill>
                 <a:latin typeface="맑은 고딕" panose="020F0502020204030204"/>
                 <a:ea typeface="맑은 고딕" panose="020B0503020000020004" pitchFamily="50" charset="-127"/>
               </a:rPr>
-              <a:t>레시</a:t>
+              <a:t>레시피</a:t>
+            </a:r>
+            <a:endParaRPr lang="en-US" altLang="ko-KR" sz="2000" dirty="0" smtClean="0">
+              <a:solidFill>
+                <a:srgbClr val="40623D"/>
+              </a:solidFill>
+              <a:latin typeface="맑은 고딕" panose="020F0502020204030204"/>
+              <a:ea typeface="맑은 고딕" panose="020B0503020000020004" pitchFamily="50" charset="-127"/>
+            </a:endParaRPr>
+          </a:p>
+          <a:p>
+            <a:pPr lvl="0">
+              <a:lnSpc>
+                <a:spcPct val="150000"/>
+              </a:lnSpc>
+            </a:pPr>
+            <a:r>
+              <a:rPr lang="en-US" altLang="ko-KR" sz="2000" dirty="0">
+                <a:solidFill>
+                  <a:srgbClr val="40623D"/>
+                </a:solidFill>
+                <a:latin typeface="맑은 고딕" panose="020F0502020204030204"/>
+                <a:ea typeface="맑은 고딕" panose="020B0503020000020004" pitchFamily="50" charset="-127"/>
+              </a:rPr>
+              <a:t> </a:t>
             </a:r>
             <a:r>
               <a:rPr lang="en-US" altLang="ko-KR" sz="2000" dirty="0" smtClean="0">
@@ -17163,7 +17126,7 @@
                 <a:latin typeface="맑은 고딕" panose="020F0502020204030204"/>
                 <a:ea typeface="맑은 고딕" panose="020B0503020000020004" pitchFamily="50" charset="-127"/>
               </a:rPr>
-              <a:t>	 </a:t>
+              <a:t>	</a:t>
             </a:r>
             <a:r>
               <a:rPr lang="ko-KR" altLang="en-US" sz="2000" dirty="0" smtClean="0">
@@ -17173,7 +17136,7 @@
                 <a:latin typeface="맑은 고딕" panose="020F0502020204030204"/>
                 <a:ea typeface="맑은 고딕" panose="020B0503020000020004" pitchFamily="50" charset="-127"/>
               </a:rPr>
-              <a:t>피 </a:t>
+              <a:t>추천 </a:t>
             </a:r>
             <a:r>
               <a:rPr lang="ko-KR" altLang="en-US" sz="2000" dirty="0">
@@ -17183,7 +17146,7 @@
                 <a:latin typeface="맑은 고딕" panose="020F0502020204030204"/>
                 <a:ea typeface="맑은 고딕" panose="020B0503020000020004" pitchFamily="50" charset="-127"/>
               </a:rPr>
-              <a:t>추천 앱</a:t>
+              <a:t>앱</a:t>
             </a:r>
             <a:r>
               <a:rPr lang="en-US" altLang="ko-KR" sz="2000" dirty="0" smtClean="0">
@@ -17918,8 +17881,8 @@
         </p:nvSpPr>
         <p:spPr>
           <a:xfrm>
-            <a:off x="1952830" y="1486667"/>
-            <a:ext cx="8346727" cy="4708981"/>
+            <a:off x="1616927" y="1411716"/>
+            <a:ext cx="8945019" cy="4247317"/>
           </a:xfrm>
           <a:prstGeom prst="rect">
             <a:avLst/>
@@ -18010,7 +17973,17 @@
                 <a:latin typeface="맑은 고딕" panose="020F0502020204030204"/>
                 <a:ea typeface="맑은 고딕" panose="020B0503020000020004" pitchFamily="50" charset="-127"/>
               </a:rPr>
-              <a:t>줄</a:t>
+              <a:t>줄이며</a:t>
+            </a:r>
+            <a:r>
+              <a:rPr lang="en-US" altLang="ko-KR" sz="2000" dirty="0">
+                <a:solidFill>
+                  <a:srgbClr val="40623D"/>
+                </a:solidFill>
+                <a:latin typeface="맑은 고딕" panose="020F0502020204030204"/>
+                <a:ea typeface="맑은 고딕" panose="020B0503020000020004" pitchFamily="50" charset="-127"/>
+              </a:rPr>
+              <a:t>, </a:t>
             </a:r>
             <a:r>
               <a:rPr lang="en-US" altLang="ko-KR" sz="2000" dirty="0" smtClean="0">
@@ -18030,17 +18003,7 @@
                 <a:latin typeface="맑은 고딕" panose="020F0502020204030204"/>
                 <a:ea typeface="맑은 고딕" panose="020B0503020000020004" pitchFamily="50" charset="-127"/>
               </a:rPr>
-              <a:t>이며</a:t>
-            </a:r>
-            <a:r>
-              <a:rPr lang="en-US" altLang="ko-KR" sz="2000" dirty="0">
-                <a:solidFill>
-                  <a:srgbClr val="40623D"/>
-                </a:solidFill>
-                <a:latin typeface="맑은 고딕" panose="020F0502020204030204"/>
-                <a:ea typeface="맑은 고딕" panose="020B0503020000020004" pitchFamily="50" charset="-127"/>
-              </a:rPr>
-              <a:t>, </a:t>
+              <a:t>지구 </a:t>
             </a:r>
             <a:r>
               <a:rPr lang="ko-KR" altLang="en-US" sz="2000" dirty="0">
@@ -18050,7 +18013,7 @@
                 <a:latin typeface="맑은 고딕" panose="020F0502020204030204"/>
                 <a:ea typeface="맑은 고딕" panose="020B0503020000020004" pitchFamily="50" charset="-127"/>
               </a:rPr>
-              <a:t>지구 환경 보호에 기여합니다</a:t>
+              <a:t>환경 보호에 기여합니다</a:t>
             </a:r>
             <a:r>
               <a:rPr lang="en-US" altLang="ko-KR" sz="2000" dirty="0">
@@ -18130,26 +18093,6 @@
               <a:t>경제적 절감 효과를 </a:t>
             </a:r>
             <a:r>
-              <a:rPr lang="ko-KR" altLang="en-US" sz="2000" dirty="0" err="1" smtClean="0">
-                <a:solidFill>
-                  <a:srgbClr val="40623D"/>
-                </a:solidFill>
-                <a:latin typeface="맑은 고딕" panose="020F0502020204030204"/>
-                <a:ea typeface="맑은 고딕" panose="020B0503020000020004" pitchFamily="50" charset="-127"/>
-              </a:rPr>
-              <a:t>제공합니</a:t>
-            </a:r>
-            <a:r>
-              <a:rPr lang="en-US" altLang="ko-KR" sz="2000" dirty="0" smtClean="0">
-                <a:solidFill>
-                  <a:srgbClr val="40623D"/>
-                </a:solidFill>
-                <a:latin typeface="맑은 고딕" panose="020F0502020204030204"/>
-                <a:ea typeface="맑은 고딕" panose="020B0503020000020004" pitchFamily="50" charset="-127"/>
-              </a:rPr>
-              <a:t>	</a:t>
-            </a:r>
-            <a:r>
               <a:rPr lang="ko-KR" altLang="en-US" sz="2000" dirty="0" smtClean="0">
                 <a:solidFill>
                   <a:srgbClr val="40623D"/>
@@ -18157,7 +18100,7 @@
                 <a:latin typeface="맑은 고딕" panose="020F0502020204030204"/>
                 <a:ea typeface="맑은 고딕" panose="020B0503020000020004" pitchFamily="50" charset="-127"/>
               </a:rPr>
-              <a:t>다</a:t>
+              <a:t>제공합니다</a:t>
             </a:r>
             <a:r>
               <a:rPr lang="en-US" altLang="ko-KR" sz="2000" dirty="0">
@@ -18266,6 +18209,26 @@
               <a:t>쉽게 </a:t>
             </a:r>
             <a:r>
+              <a:rPr lang="en-US" altLang="ko-KR" sz="2000" dirty="0" smtClean="0">
+                <a:solidFill>
+                  <a:srgbClr val="40623D"/>
+                </a:solidFill>
+                <a:latin typeface="맑은 고딕" panose="020F0502020204030204"/>
+                <a:ea typeface="맑은 고딕" panose="020B0503020000020004" pitchFamily="50" charset="-127"/>
+              </a:rPr>
+              <a:t>	</a:t>
+            </a:r>
+            <a:r>
+              <a:rPr lang="ko-KR" altLang="en-US" sz="2000" dirty="0" smtClean="0">
+                <a:solidFill>
+                  <a:srgbClr val="40623D"/>
+                </a:solidFill>
+                <a:latin typeface="맑은 고딕" panose="020F0502020204030204"/>
+                <a:ea typeface="맑은 고딕" panose="020B0503020000020004" pitchFamily="50" charset="-127"/>
+              </a:rPr>
+              <a:t>사용할 </a:t>
+            </a:r>
+            <a:r>
               <a:rPr lang="ko-KR" altLang="en-US" sz="2000" dirty="0">
                 <a:solidFill>
                   <a:srgbClr val="40623D"/>
@@ -18273,7 +18236,7 @@
                 <a:latin typeface="맑은 고딕" panose="020F0502020204030204"/>
                 <a:ea typeface="맑은 고딕" panose="020B0503020000020004" pitchFamily="50" charset="-127"/>
               </a:rPr>
-              <a:t>사용할 수 있습니다</a:t>
+              <a:t>수 있습니다</a:t>
             </a:r>
             <a:r>
               <a:rPr lang="en-US" altLang="ko-KR" sz="2000" dirty="0">
@@ -18350,10 +18313,10 @@
                 <a:latin typeface="맑은 고딕" panose="020F0502020204030204"/>
                 <a:ea typeface="맑은 고딕" panose="020B0503020000020004" pitchFamily="50" charset="-127"/>
               </a:rPr>
-              <a:t>보</a:t>
+              <a:t>보호에 </a:t>
             </a:r>
             <a:r>
-              <a:rPr lang="en-US" altLang="ko-KR" sz="2000" dirty="0" smtClean="0">
+              <a:rPr lang="en-US" altLang="ko-KR" sz="2000" smtClean="0">
                 <a:solidFill>
                   <a:srgbClr val="40623D"/>
                 </a:solidFill>
@@ -18363,14 +18326,14 @@
               <a:t>	</a:t>
             </a:r>
             <a:r>
-              <a:rPr lang="ko-KR" altLang="en-US" sz="2000" dirty="0" smtClean="0">
+              <a:rPr lang="ko-KR" altLang="en-US" sz="2000" smtClean="0">
                 <a:solidFill>
                   <a:srgbClr val="40623D"/>
                 </a:solidFill>
                 <a:latin typeface="맑은 고딕" panose="020F0502020204030204"/>
                 <a:ea typeface="맑은 고딕" panose="020B0503020000020004" pitchFamily="50" charset="-127"/>
               </a:rPr>
-              <a:t>호에 </a:t>
+              <a:t>대한 </a:t>
             </a:r>
             <a:r>
               <a:rPr lang="ko-KR" altLang="en-US" sz="2000" dirty="0">
@@ -18380,7 +18343,7 @@
                 <a:latin typeface="맑은 고딕" panose="020F0502020204030204"/>
                 <a:ea typeface="맑은 고딕" panose="020B0503020000020004" pitchFamily="50" charset="-127"/>
               </a:rPr>
-              <a:t>대한 인식을 함께 높일 수 있습니다</a:t>
+              <a:t>인식을 함께 높일 수 있습니다</a:t>
             </a:r>
             <a:r>
               <a:rPr lang="en-US" altLang="ko-KR" sz="2000" dirty="0">
@@ -18473,7 +18436,7 @@
                 <a14:useLocalDpi xmlns:a14="http://schemas.microsoft.com/office/drawing/2010/main" val="0"/>
               </a:ext>
               <a:ext uri="{96DAC541-7B7A-43D3-8B79-37D633B846F1}">
-                <asvg:svgBlip xmlns="" xmlns:asvg="http://schemas.microsoft.com/office/drawing/2016/SVG/main" r:embed="rId3"/>
+                <asvg:svgBlip xmlns:asvg="http://schemas.microsoft.com/office/drawing/2016/SVG/main" xmlns="" r:embed="rId3"/>
               </a:ext>
             </a:extLst>
           </a:blip>
@@ -18628,6 +18591,52 @@
               </a:rPr>
               <a:t>요구사항 기술서</a:t>
             </a:r>
+          </a:p>
+        </p:txBody>
+      </p:sp>
+      <p:sp>
+        <p:nvSpPr>
+          <p:cNvPr id="9" name="직사각형 8"/>
+          <p:cNvSpPr/>
+          <p:nvPr/>
+        </p:nvSpPr>
+        <p:spPr>
+          <a:xfrm>
+            <a:off x="8200288" y="5782002"/>
+            <a:ext cx="3991712" cy="1075998"/>
+          </a:xfrm>
+          <a:prstGeom prst="rect">
+            <a:avLst/>
+          </a:prstGeom>
+          <a:solidFill>
+            <a:srgbClr val="40623D"/>
+          </a:solidFill>
+          <a:ln>
+            <a:noFill/>
+          </a:ln>
+        </p:spPr>
+        <p:style>
+          <a:lnRef idx="2">
+            <a:schemeClr val="accent1">
+              <a:shade val="50000"/>
+            </a:schemeClr>
+          </a:lnRef>
+          <a:fillRef idx="1">
+            <a:schemeClr val="accent1"/>
+          </a:fillRef>
+          <a:effectRef idx="0">
+            <a:schemeClr val="accent1"/>
+          </a:effectRef>
+          <a:fontRef idx="minor">
+            <a:schemeClr val="lt1"/>
+          </a:fontRef>
+        </p:style>
+        <p:txBody>
+          <a:bodyPr rtlCol="0" anchor="ctr"/>
+          <a:lstStyle/>
+          <a:p>
+            <a:pPr algn="ctr"/>
+            <a:endParaRPr lang="ko-KR" altLang="en-US"/>
           </a:p>
         </p:txBody>
       </p:sp>
@@ -24710,7 +24719,7 @@
                 <a14:useLocalDpi xmlns:a14="http://schemas.microsoft.com/office/drawing/2010/main" val="0"/>
               </a:ext>
               <a:ext uri="{96DAC541-7B7A-43D3-8B79-37D633B846F1}">
-                <asvg:svgBlip xmlns="" xmlns:asvg="http://schemas.microsoft.com/office/drawing/2016/SVG/main" r:embed="rId3"/>
+                <asvg:svgBlip xmlns:asvg="http://schemas.microsoft.com/office/drawing/2016/SVG/main" xmlns="" r:embed="rId3"/>
               </a:ext>
             </a:extLst>
           </a:blip>
@@ -24871,6 +24880,52 @@
               </a:solidFill>
               <a:latin typeface="+mn-ea"/>
             </a:endParaRPr>
+          </a:p>
+        </p:txBody>
+      </p:sp>
+      <p:sp>
+        <p:nvSpPr>
+          <p:cNvPr id="9" name="직사각형 8"/>
+          <p:cNvSpPr/>
+          <p:nvPr/>
+        </p:nvSpPr>
+        <p:spPr>
+          <a:xfrm>
+            <a:off x="8200288" y="5782002"/>
+            <a:ext cx="3991712" cy="1075998"/>
+          </a:xfrm>
+          <a:prstGeom prst="rect">
+            <a:avLst/>
+          </a:prstGeom>
+          <a:solidFill>
+            <a:srgbClr val="40623D"/>
+          </a:solidFill>
+          <a:ln>
+            <a:noFill/>
+          </a:ln>
+        </p:spPr>
+        <p:style>
+          <a:lnRef idx="2">
+            <a:schemeClr val="accent1">
+              <a:shade val="50000"/>
+            </a:schemeClr>
+          </a:lnRef>
+          <a:fillRef idx="1">
+            <a:schemeClr val="accent1"/>
+          </a:fillRef>
+          <a:effectRef idx="0">
+            <a:schemeClr val="accent1"/>
+          </a:effectRef>
+          <a:fontRef idx="minor">
+            <a:schemeClr val="lt1"/>
+          </a:fontRef>
+        </p:style>
+        <p:txBody>
+          <a:bodyPr rtlCol="0" anchor="ctr"/>
+          <a:lstStyle/>
+          <a:p>
+            <a:pPr algn="ctr"/>
+            <a:endParaRPr lang="ko-KR" altLang="en-US"/>
           </a:p>
         </p:txBody>
       </p:sp>
